--- a/training-cards/music moves/Ideas (IDE)/ger/apprentice/ger_IDE_09_Ideenrangfolge_MM_A.pptx
+++ b/training-cards/music moves/Ideas (IDE)/ger/apprentice/ger_IDE_09_Ideenrangfolge_MM_A.pptx
@@ -105,6 +105,22 @@
       </a:defRPr>
     </a:lvl9pPr>
   </p:defaultTextStyle>
+  <p:extLst>
+    <p:ext uri="{EFAFB233-063F-42B5-8137-9DF3F51BA10A}">
+      <p15:sldGuideLst xmlns:p15="http://schemas.microsoft.com/office/powerpoint/2012/main">
+        <p15:guide id="1" orient="horz" pos="652">
+          <p15:clr>
+            <a:srgbClr val="A4A3A4"/>
+          </p15:clr>
+        </p15:guide>
+        <p15:guide id="2">
+          <p15:clr>
+            <a:srgbClr val="A4A3A4"/>
+          </p15:clr>
+        </p15:guide>
+      </p15:sldGuideLst>
+    </p:ext>
+  </p:extLst>
 </p:presentation>
 </file>
 
@@ -153,10 +169,9 @@
           </a:lstStyle>
           <a:p>
             <a:r>
-              <a:rPr lang="de-DE" dirty="0" smtClean="0"/>
+              <a:rPr lang="de-DE" dirty="0"/>
               <a:t>TITEL HINZUFÜGEN</a:t>
             </a:r>
-            <a:endParaRPr lang="de-DE" dirty="0"/>
           </a:p>
         </p:txBody>
       </p:sp>
@@ -187,35 +202,35 @@
           <a:p>
             <a:pPr lvl="0"/>
             <a:r>
-              <a:rPr lang="de-DE" smtClean="0"/>
+              <a:rPr lang="de-DE"/>
               <a:t>Mastertextformat bearbeiten</a:t>
             </a:r>
           </a:p>
           <a:p>
             <a:pPr lvl="1"/>
             <a:r>
-              <a:rPr lang="de-DE" smtClean="0"/>
+              <a:rPr lang="de-DE"/>
               <a:t>Zweite Ebene</a:t>
             </a:r>
           </a:p>
           <a:p>
             <a:pPr lvl="2"/>
             <a:r>
-              <a:rPr lang="de-DE" smtClean="0"/>
+              <a:rPr lang="de-DE"/>
               <a:t>Dritte Ebene</a:t>
             </a:r>
           </a:p>
           <a:p>
             <a:pPr lvl="3"/>
             <a:r>
-              <a:rPr lang="de-DE" smtClean="0"/>
+              <a:rPr lang="de-DE"/>
               <a:t>Vierte Ebene</a:t>
             </a:r>
           </a:p>
           <a:p>
             <a:pPr lvl="4"/>
             <a:r>
-              <a:rPr lang="de-DE" smtClean="0"/>
+              <a:rPr lang="de-DE"/>
               <a:t>Fünfte Ebene</a:t>
             </a:r>
             <a:endParaRPr lang="de-DE" dirty="0"/>
@@ -262,7 +277,7 @@
               <a:buNone/>
             </a:pPr>
             <a:r>
-              <a:rPr lang="de-DE" smtClean="0"/>
+              <a:rPr lang="de-DE"/>
               <a:t>Master-Untertitelformat bearbeiten</a:t>
             </a:r>
             <a:endParaRPr lang="de-DE" dirty="0"/>
@@ -378,35 +393,35 @@
           <a:p>
             <a:pPr lvl="0"/>
             <a:r>
-              <a:rPr lang="de-DE" smtClean="0"/>
+              <a:rPr lang="de-DE"/>
               <a:t>Mastertextformat bearbeiten</a:t>
             </a:r>
           </a:p>
           <a:p>
             <a:pPr lvl="1"/>
             <a:r>
-              <a:rPr lang="de-DE" smtClean="0"/>
+              <a:rPr lang="de-DE"/>
               <a:t>Zweite Ebene</a:t>
             </a:r>
           </a:p>
           <a:p>
             <a:pPr lvl="2"/>
             <a:r>
-              <a:rPr lang="de-DE" smtClean="0"/>
+              <a:rPr lang="de-DE"/>
               <a:t>Dritte Ebene</a:t>
             </a:r>
           </a:p>
           <a:p>
             <a:pPr lvl="3"/>
             <a:r>
-              <a:rPr lang="de-DE" smtClean="0"/>
+              <a:rPr lang="de-DE"/>
               <a:t>Vierte Ebene</a:t>
             </a:r>
           </a:p>
           <a:p>
             <a:pPr lvl="4"/>
             <a:r>
-              <a:rPr lang="de-DE" smtClean="0"/>
+              <a:rPr lang="de-DE"/>
               <a:t>Fünfte Ebene</a:t>
             </a:r>
             <a:endParaRPr lang="de-DE" dirty="0"/>
@@ -436,7 +451,7 @@
           <a:lstStyle/>
           <a:p>
             <a:r>
-              <a:rPr lang="de-DE" sz="2400" dirty="0" smtClean="0">
+              <a:rPr lang="de-DE" sz="2400" dirty="0">
                 <a:solidFill>
                   <a:srgbClr val="7E006B"/>
                 </a:solidFill>
@@ -446,7 +461,7 @@
               <a:t>TR	AININGS</a:t>
             </a:r>
             <a:r>
-              <a:rPr lang="de-DE" sz="2400" dirty="0" smtClean="0">
+              <a:rPr lang="de-DE" sz="2400" dirty="0">
                 <a:solidFill>
                   <a:srgbClr val="7E006B"/>
                 </a:solidFill>
@@ -514,7 +529,7 @@
           </a:ln>
           <a:extLst>
             <a:ext uri="{C572A759-6A51-4108-AA02-DFA0A04FC94B}">
-              <ma14:wrappingTextBoxFlag xmlns:ma14="http://schemas.microsoft.com/office/mac/drawingml/2011/main" val="1"/>
+              <ma14:wrappingTextBoxFlag xmlns:ma14="http://schemas.microsoft.com/office/mac/drawingml/2011/main" xmlns="" val="1"/>
             </a:ext>
           </a:extLst>
         </p:spPr>
@@ -560,9 +575,7 @@
           <p:nvPr userDrawn="1"/>
         </p:nvPicPr>
         <p:blipFill>
-          <a:blip r:embed="rId4">
-            <a:extLst/>
-          </a:blip>
+          <a:blip r:embed="rId4"/>
           <a:stretch>
             <a:fillRect/>
           </a:stretch>
@@ -620,7 +633,7 @@
                 <a:latin typeface="Avenir Light"/>
                 <a:cs typeface="Avenir Light"/>
               </a:rPr>
-              <a:t>22.11.15</a:t>
+              <a:t>20.07.23</a:t>
             </a:fld>
             <a:endParaRPr lang="de-DE" sz="600" dirty="0">
               <a:solidFill>
@@ -678,10 +691,9 @@
           <a:lstStyle/>
           <a:p>
             <a:r>
-              <a:rPr lang="de-DE" smtClean="0"/>
+              <a:rPr lang="de-DE"/>
               <a:t>Mastertitelformat bearbeiten</a:t>
             </a:r>
-            <a:endParaRPr lang="de-DE"/>
           </a:p>
         </p:txBody>
       </p:sp>
@@ -702,7 +714,7 @@
           <a:p>
             <a:fld id="{FF5B2BAF-DF38-0A48-A798-0C06E514FD52}" type="datetimeFigureOut">
               <a:rPr lang="de-DE" smtClean="0"/>
-              <a:t>22.11.15</a:t>
+              <a:t>20.07.23</a:t>
             </a:fld>
             <a:endParaRPr lang="de-DE" dirty="0"/>
           </a:p>
@@ -813,17 +825,16 @@
           <a:p>
             <a:pPr marL="0" lvl="0" algn="l"/>
             <a:r>
-              <a:rPr lang="de-DE" dirty="0" smtClean="0"/>
+              <a:rPr lang="de-DE" dirty="0"/>
               <a:t>Überschrift </a:t>
             </a:r>
             <a:br>
-              <a:rPr lang="de-DE" dirty="0" smtClean="0"/>
+              <a:rPr lang="de-DE" dirty="0"/>
             </a:br>
             <a:r>
-              <a:rPr lang="de-DE" dirty="0" smtClean="0"/>
+              <a:rPr lang="de-DE" dirty="0"/>
               <a:t>bearbeiten </a:t>
             </a:r>
-            <a:endParaRPr lang="de-DE" dirty="0"/>
           </a:p>
         </p:txBody>
       </p:sp>
@@ -854,38 +865,37 @@
           <a:p>
             <a:pPr lvl="0"/>
             <a:r>
-              <a:rPr lang="de-DE" dirty="0" smtClean="0"/>
+              <a:rPr lang="de-DE" dirty="0"/>
               <a:t>Mastertextformat bearbeiten</a:t>
             </a:r>
           </a:p>
           <a:p>
             <a:pPr lvl="1"/>
             <a:r>
-              <a:rPr lang="de-DE" dirty="0" smtClean="0"/>
+              <a:rPr lang="de-DE" dirty="0"/>
               <a:t>Zweite Ebene</a:t>
             </a:r>
           </a:p>
           <a:p>
             <a:pPr lvl="2"/>
             <a:r>
-              <a:rPr lang="de-DE" dirty="0" smtClean="0"/>
+              <a:rPr lang="de-DE" dirty="0"/>
               <a:t>Dritte Ebene</a:t>
             </a:r>
           </a:p>
           <a:p>
             <a:pPr lvl="3"/>
             <a:r>
-              <a:rPr lang="de-DE" dirty="0" smtClean="0"/>
+              <a:rPr lang="de-DE" dirty="0"/>
               <a:t>Vierte Ebene</a:t>
             </a:r>
           </a:p>
           <a:p>
             <a:pPr lvl="4"/>
             <a:r>
-              <a:rPr lang="de-DE" dirty="0" smtClean="0"/>
+              <a:rPr lang="de-DE" dirty="0"/>
               <a:t>Fünfte Ebene</a:t>
             </a:r>
-            <a:endParaRPr lang="de-DE" dirty="0"/>
           </a:p>
         </p:txBody>
       </p:sp>
@@ -924,7 +934,7 @@
           <a:p>
             <a:fld id="{FF5B2BAF-DF38-0A48-A798-0C06E514FD52}" type="datetimeFigureOut">
               <a:rPr lang="de-DE" smtClean="0"/>
-              <a:t>22.11.15</a:t>
+              <a:t>20.07.23</a:t>
             </a:fld>
             <a:endParaRPr lang="de-DE" dirty="0"/>
           </a:p>
@@ -1158,7 +1168,7 @@
           <a:lstStyle/>
           <a:p>
             <a:r>
-              <a:rPr lang="de-DE" sz="1050" b="1" dirty="0" smtClean="0">
+              <a:rPr lang="de-DE" sz="1050" b="1" dirty="0">
                 <a:solidFill>
                   <a:schemeClr val="bg1"/>
                 </a:solidFill>
@@ -1168,7 +1178,7 @@
               <a:t>TRAININGSKARTE</a:t>
             </a:r>
             <a:r>
-              <a:rPr lang="de-DE" sz="1050" dirty="0" smtClean="0">
+              <a:rPr lang="de-DE" sz="1050" dirty="0">
                 <a:solidFill>
                   <a:schemeClr val="bg1"/>
                 </a:solidFill>
@@ -1178,7 +1188,7 @@
               <a:t> </a:t>
             </a:r>
             <a:r>
-              <a:rPr lang="de-DE" sz="1050" b="1" dirty="0" smtClean="0">
+              <a:rPr lang="de-DE" sz="1050" b="1" dirty="0">
                 <a:solidFill>
                   <a:schemeClr val="bg1"/>
                 </a:solidFill>
@@ -1188,7 +1198,7 @@
               <a:t>IDE</a:t>
             </a:r>
             <a:r>
-              <a:rPr lang="de-DE" sz="1050" b="1" baseline="0" dirty="0" smtClean="0">
+              <a:rPr lang="de-DE" sz="1050" b="1" baseline="0" dirty="0">
                 <a:solidFill>
                   <a:schemeClr val="bg1"/>
                 </a:solidFill>
@@ -1586,17 +1596,16 @@
           <a:lstStyle/>
           <a:p>
             <a:r>
-              <a:rPr lang="de-DE" dirty="0" smtClean="0">
+              <a:rPr lang="de-DE" dirty="0">
                 <a:latin typeface="Avenir Heavy"/>
                 <a:cs typeface="Avenir Heavy"/>
               </a:rPr>
               <a:t>IDEEN</a:t>
             </a:r>
             <a:r>
-              <a:rPr lang="de-DE" dirty="0" smtClean="0"/>
+              <a:rPr lang="de-DE" dirty="0"/>
               <a:t>RANGFOLGE</a:t>
             </a:r>
-            <a:endParaRPr lang="de-DE" dirty="0"/>
           </a:p>
         </p:txBody>
       </p:sp>
@@ -1630,7 +1639,13 @@
           <a:p>
             <a:r>
               <a:rPr lang="de-DE" sz="900" dirty="0"/>
-              <a:t>Eine Möglichkeit ist es, den Ideen eine Rangfolge zu geben. In der agilen Entwicklung nennt man eine nach Wichtigkeit priorisierte Aufgabenliste "</a:t>
+              <a:t>Eine Möglichkeit ist es, den Ideen eine Rangfolge zu geben. In der agilen Entwicklung nennt man eine nach Wichtigkeit oder Qualität priorisierte Aufgabenliste "Backlog".</a:t>
+            </a:r>
+          </a:p>
+          <a:p>
+            <a:r>
+              <a:rPr lang="de-DE" sz="900" dirty="0"/>
+              <a:t>Ein solches </a:t>
             </a:r>
             <a:r>
               <a:rPr lang="de-DE" sz="900" dirty="0" err="1"/>
@@ -1638,13 +1653,21 @@
             </a:r>
             <a:r>
               <a:rPr lang="de-DE" sz="900" dirty="0"/>
-              <a:t>".</a:t>
-            </a:r>
-          </a:p>
-          <a:p>
+              <a:t> kannst Du auch für Deine Ideen erstellen. Wenn Du mit Post </a:t>
+            </a:r>
+            <a:r>
+              <a:rPr lang="de-DE" sz="900" dirty="0" err="1"/>
+              <a:t>Its</a:t>
+            </a:r>
             <a:r>
               <a:rPr lang="de-DE" sz="900" dirty="0"/>
-              <a:t>Ein solches </a:t>
+              <a:t> arbeitest, kannst Du die Ideen ganz leicht neu anordnen. Wenn Du bisher ein Ideenbuch verwendet hast, musst Du Dir vielleicht eine weitere Möglichkeit überlegen, wohin Du Deine Ideen schreiben und Ihnen gleichzeitig eine Rangfolge geben kannst.  </a:t>
+            </a:r>
+          </a:p>
+          <a:p>
+            <a:r>
+              <a:rPr lang="de-DE" sz="900" dirty="0"/>
+              <a:t>Die Plätze ganz oben im </a:t>
             </a:r>
             <a:r>
               <a:rPr lang="de-DE" sz="900" dirty="0" err="1"/>
@@ -1652,21 +1675,61 @@
             </a:r>
             <a:r>
               <a:rPr lang="de-DE" sz="900" dirty="0"/>
-              <a:t> kannst Du auch für Deine Ideen erstellen. Wenn Du mit Post </a:t>
-            </a:r>
-            <a:r>
-              <a:rPr lang="de-DE" sz="900" dirty="0" err="1"/>
-              <a:t>Its</a:t>
-            </a:r>
+              <a:t> sind die wichtigsten oder auch die "wertvollsten". Indem Du alle Faktoren, die eine Idee betreffen, mit einbeziehst, vergibst Du aus dem Gesamtbild eine Rangfolge.</a:t>
+            </a:r>
+          </a:p>
+          <a:p>
             <a:r>
               <a:rPr lang="de-DE" sz="900" dirty="0"/>
-              <a:t> arbeitest, kannst Du die Ideen ganz leicht neu anordnen. Wenn Du bisher ein Ideenbuch verwendet hast, musst Du Dir vielleicht eine weitere Möglichkeit überlegen, wohin Du Deine Ideen schreiben und Ihnen gleichzeitig eine Rangfolge geben kannst.  </a:t>
-            </a:r>
-          </a:p>
-          <a:p>
+              <a:t>Solche Faktoren könnten sein:</a:t>
+            </a:r>
+          </a:p>
+          <a:p>
+            <a:pPr lvl="1"/>
             <a:r>
               <a:rPr lang="de-DE" sz="900" dirty="0"/>
-              <a:t>Die Plätze ganz oben im </a:t>
+              <a:t>Wie gut finde ich die Idee?</a:t>
+            </a:r>
+          </a:p>
+          <a:p>
+            <a:pPr lvl="1"/>
+            <a:r>
+              <a:rPr lang="de-DE" sz="900" dirty="0"/>
+              <a:t>Habe ich Zeitdruck die Idee umzusetzen? Wird die Idee bald verfallen bzw. nicht mehr umsetzbar sein?</a:t>
+            </a:r>
+          </a:p>
+          <a:p>
+            <a:pPr lvl="1"/>
+            <a:r>
+              <a:rPr lang="de-DE" sz="900" dirty="0"/>
+              <a:t>Gibt es negative Konsequenzen, wenn die Idee übergangen wird?</a:t>
+            </a:r>
+          </a:p>
+          <a:p>
+            <a:pPr lvl="1"/>
+            <a:r>
+              <a:rPr lang="de-DE" sz="900" dirty="0"/>
+              <a:t>Inwiefern kann ich mich persönlich durch die Idee weiterentwickeln?</a:t>
+            </a:r>
+          </a:p>
+          <a:p>
+            <a:pPr lvl="1"/>
+            <a:r>
+              <a:rPr lang="de-DE" sz="900" dirty="0"/>
+              <a:t>Wie sehr kann ich mich durch die Idee selbst ausdrücken?</a:t>
+            </a:r>
+          </a:p>
+          <a:p>
+            <a:pPr lvl="1"/>
+            <a:r>
+              <a:rPr lang="de-DE" sz="900" dirty="0"/>
+              <a:t>Wird durch die Idee etwas grundsätzlich leichter oder weniger riskant?</a:t>
+            </a:r>
+          </a:p>
+          <a:p>
+            <a:r>
+              <a:rPr lang="de-DE" sz="900" dirty="0"/>
+              <a:t>Ein </a:t>
             </a:r>
             <a:r>
               <a:rPr lang="de-DE" sz="900" dirty="0" err="1"/>
@@ -1674,61 +1737,7 @@
             </a:r>
             <a:r>
               <a:rPr lang="de-DE" sz="900" dirty="0"/>
-              <a:t> sind die wichtigsten oder auch die "wertvollsten". Indem Du alle Faktoren, die eine Idee betreffen, mit einbeziehst, vergibst Du aus dem Gesamtbild eine Rangfolge.</a:t>
-            </a:r>
-          </a:p>
-          <a:p>
-            <a:r>
-              <a:rPr lang="de-DE" sz="900" dirty="0"/>
-              <a:t>Solche Faktoren könnten sein:</a:t>
-            </a:r>
-          </a:p>
-          <a:p>
-            <a:pPr lvl="1"/>
-            <a:r>
-              <a:rPr lang="de-DE" sz="900" dirty="0"/>
-              <a:t>Wie gute finde ich die Idee?</a:t>
-            </a:r>
-          </a:p>
-          <a:p>
-            <a:pPr lvl="1"/>
-            <a:r>
-              <a:rPr lang="de-DE" sz="900" dirty="0"/>
-              <a:t>Habe ich Zeitdruck die Idee umzusetzen? Wird die Idee bald verfallen bzw. nicht mehr umsetzbar sein?</a:t>
-            </a:r>
-          </a:p>
-          <a:p>
-            <a:pPr lvl="1"/>
-            <a:r>
-              <a:rPr lang="de-DE" sz="900" dirty="0"/>
-              <a:t>Gibt es negative Konsequenzen, wenn die Idee übergangen wird?</a:t>
-            </a:r>
-          </a:p>
-          <a:p>
-            <a:pPr lvl="1"/>
-            <a:r>
-              <a:rPr lang="de-DE" sz="900" dirty="0"/>
-              <a:t>Inwiefern kann ich mich persönlich durch die Idee weiterentwickeln?</a:t>
-            </a:r>
-          </a:p>
-          <a:p>
-            <a:pPr lvl="1"/>
-            <a:r>
-              <a:rPr lang="de-DE" sz="900" dirty="0"/>
-              <a:t>Wie sehr kann ich mich durch die Idee selbst ausdrücken?</a:t>
-            </a:r>
-          </a:p>
-          <a:p>
-            <a:pPr lvl="1"/>
-            <a:r>
-              <a:rPr lang="de-DE" sz="900" dirty="0"/>
-              <a:t>Wird durch die Idee etwas grundsätzlich leichter oder weniger riskant?</a:t>
-            </a:r>
-          </a:p>
-          <a:p>
-            <a:r>
-              <a:rPr lang="de-DE" sz="900" dirty="0"/>
-              <a:t>Ein </a:t>
+              <a:t> hat immer eine Rangfolge, die aber nicht in Stein gemeißelt ist. In regelmäßigen Abständen wird das </a:t>
             </a:r>
             <a:r>
               <a:rPr lang="de-DE" sz="900" dirty="0" err="1"/>
@@ -1736,47 +1745,7 @@
             </a:r>
             <a:r>
               <a:rPr lang="de-DE" sz="900" dirty="0"/>
-              <a:t> hat immer eine Rangfolge, die aber nicht in Stein </a:t>
-            </a:r>
-            <a:r>
-              <a:rPr lang="de-DE" sz="900" dirty="0" smtClean="0"/>
-              <a:t>gemeißelt </a:t>
-            </a:r>
-            <a:r>
-              <a:rPr lang="de-DE" sz="900" dirty="0"/>
-              <a:t>ist. In regelmäßigen Abständen wird das </a:t>
-            </a:r>
-            <a:r>
-              <a:rPr lang="de-DE" sz="900" dirty="0" err="1"/>
-              <a:t>Backlog</a:t>
-            </a:r>
-            <a:r>
-              <a:rPr lang="de-DE" sz="900" dirty="0"/>
-              <a:t> gepflegt. Dabei </a:t>
-            </a:r>
-            <a:r>
-              <a:rPr lang="de-DE" sz="900" dirty="0" smtClean="0"/>
-              <a:t>schaust Du </a:t>
-            </a:r>
-            <a:r>
-              <a:rPr lang="de-DE" sz="900" dirty="0"/>
-              <a:t>es </a:t>
-            </a:r>
-            <a:r>
-              <a:rPr lang="de-DE" sz="900" dirty="0" smtClean="0"/>
-              <a:t>Dir durch </a:t>
-            </a:r>
-            <a:r>
-              <a:rPr lang="de-DE" sz="900" dirty="0"/>
-              <a:t>und </a:t>
-            </a:r>
-            <a:r>
-              <a:rPr lang="de-DE" sz="900" dirty="0" smtClean="0"/>
-              <a:t>vergibst </a:t>
-            </a:r>
-            <a:r>
-              <a:rPr lang="de-DE" sz="900" dirty="0"/>
-              <a:t>evtl. neue Prioritäten.</a:t>
+              <a:t> gepflegt. Dabei schaust Du es Dir durch und vergibst evtl. neue Prioritäten.</a:t>
             </a:r>
             <a:r>
               <a:rPr lang="de-DE" dirty="0"/>
@@ -1804,10 +1773,9 @@
               <a:buNone/>
             </a:pPr>
             <a:r>
-              <a:rPr lang="de-DE" dirty="0" smtClean="0"/>
+              <a:rPr lang="de-DE" dirty="0"/>
               <a:t>Regina Brandhuber</a:t>
             </a:r>
-            <a:endParaRPr lang="de-DE" dirty="0"/>
           </a:p>
         </p:txBody>
       </p:sp>
@@ -1886,7 +1854,13 @@
           <a:p>
             <a:r>
               <a:rPr lang="de-DE" dirty="0"/>
-              <a:t>Nachdem Du Dein </a:t>
+              <a:t>Nachdem Du Dein Backlog erstellt hast, pflege es in 2 Wochen noch weitere 2 Mal, indem Du neue Ideen aufnimmst und ihnen eine Rangfolge gibst, alte Ideen, die evtl. bereits umgesetzt sind oder ihre Relevanz verloren haben, herausnimmst und, falls gewünscht, bestehende Ideen neu priorisierst oder weiterentwickelst (siehe IDE 14).</a:t>
+            </a:r>
+          </a:p>
+          <a:p>
+            <a:r>
+              <a:rPr lang="de-DE" dirty="0"/>
+              <a:t>Für die Zertifizierung lass Dir von Deinem Team Dein </a:t>
             </a:r>
             <a:r>
               <a:rPr lang="de-DE" dirty="0" err="1"/>
@@ -1894,28 +1868,6 @@
             </a:r>
             <a:r>
               <a:rPr lang="de-DE" dirty="0"/>
-              <a:t> erstellt hast, pflege Dein </a:t>
-            </a:r>
-            <a:r>
-              <a:rPr lang="de-DE" dirty="0" err="1"/>
-              <a:t>Backlog</a:t>
-            </a:r>
-            <a:r>
-              <a:rPr lang="de-DE" dirty="0"/>
-              <a:t> in 2 Wochen noch weitere 2 Mal, indem Du neue Ideen aufnimmst und ihnen eine Rangfolge gibst, alte Ideen, die evtl. bereits umgesetzt sind oder ihre Relevanz verloren haben, herausnimmst und, falls gewünscht, bestehende Ideen neu priorisierst.</a:t>
-            </a:r>
-          </a:p>
-          <a:p>
-            <a:r>
-              <a:rPr lang="de-DE" dirty="0"/>
-              <a:t>Für die Zertifizierung lass Dir von Deinem Team Dein </a:t>
-            </a:r>
-            <a:r>
-              <a:rPr lang="de-DE" dirty="0" err="1"/>
-              <a:t>Backlog</a:t>
-            </a:r>
-            <a:r>
-              <a:rPr lang="de-DE" dirty="0"/>
               <a:t> und 2 Überarbeitungen Deines </a:t>
             </a:r>
             <a:r>
@@ -1926,7 +1878,6 @@
               <a:rPr lang="de-DE" dirty="0"/>
               <a:t> unterzeichnen.</a:t>
             </a:r>
-            <a:endParaRPr lang="de-DE" dirty="0"/>
           </a:p>
         </p:txBody>
       </p:sp>

--- a/training-cards/music moves/Ideas (IDE)/ger/apprentice/ger_IDE_09_Ideenrangfolge_MM_A.pptx
+++ b/training-cards/music moves/Ideas (IDE)/ger/apprentice/ger_IDE_09_Ideenrangfolge_MM_A.pptx
@@ -512,14 +512,20 @@
       </p:pic>
       <p:sp>
         <p:nvSpPr>
-          <p:cNvPr id="5" name="Shape 7"/>
+          <p:cNvPr id="4" name="Shape 7">
+            <a:extLst>
+              <a:ext uri="{FF2B5EF4-FFF2-40B4-BE49-F238E27FC236}">
+                <a16:creationId xmlns:a16="http://schemas.microsoft.com/office/drawing/2014/main" id="{74353A91-9627-7243-9FC2-D51B618360E9}"/>
+              </a:ext>
+            </a:extLst>
+          </p:cNvPr>
           <p:cNvSpPr/>
           <p:nvPr userDrawn="1"/>
         </p:nvSpPr>
         <p:spPr>
           <a:xfrm>
-            <a:off x="1683417" y="4952581"/>
-            <a:ext cx="4196016" cy="276995"/>
+            <a:off x="971550" y="4689585"/>
+            <a:ext cx="4691860" cy="461661"/>
           </a:xfrm>
           <a:prstGeom prst="rect">
             <a:avLst/>
@@ -529,12 +535,12 @@
           </a:ln>
           <a:extLst>
             <a:ext uri="{C572A759-6A51-4108-AA02-DFA0A04FC94B}">
-              <ma14:wrappingTextBoxFlag xmlns:ma14="http://schemas.microsoft.com/office/mac/drawingml/2011/main" xmlns="" val="1"/>
+              <ma14:wrappingTextBoxFlag xmlns="" xmlns:ma14="http://schemas.microsoft.com/office/mac/drawingml/2011/main" val="1"/>
             </a:ext>
           </a:extLst>
         </p:spPr>
         <p:txBody>
-          <a:bodyPr wrap="none" lIns="45718" tIns="45718" rIns="45718" bIns="45718">
+          <a:bodyPr wrap="square" lIns="45718" tIns="45718" rIns="45718" bIns="45718">
             <a:spAutoFit/>
           </a:bodyPr>
           <a:lstStyle/>
@@ -543,47 +549,266 @@
               <a:defRPr sz="1800"/>
             </a:pPr>
             <a:r>
-              <a:rPr sz="600" dirty="0">
-                <a:latin typeface="Avenir Light"/>
+              <a:rPr lang="de-DE" sz="800" b="0" i="0" u="none" strike="noStrike" dirty="0" err="1">
+                <a:solidFill>
+                  <a:schemeClr val="tx1">
+                    <a:lumMod val="65000"/>
+                    <a:lumOff val="35000"/>
+                  </a:schemeClr>
+                </a:solidFill>
+                <a:effectLst/>
+                <a:latin typeface="Avenir Book" panose="02000503020000020003" pitchFamily="2" charset="0"/>
+              </a:rPr>
+              <a:t>music</a:t>
+            </a:r>
+            <a:r>
+              <a:rPr lang="de-DE" sz="800" b="0" i="0" u="none" strike="noStrike" dirty="0">
+                <a:solidFill>
+                  <a:schemeClr val="tx1">
+                    <a:lumMod val="65000"/>
+                    <a:lumOff val="35000"/>
+                  </a:schemeClr>
+                </a:solidFill>
+                <a:effectLst/>
+                <a:latin typeface="Avenir Book" panose="02000503020000020003" pitchFamily="2" charset="0"/>
+              </a:rPr>
+              <a:t> </a:t>
+            </a:r>
+            <a:r>
+              <a:rPr lang="de-DE" sz="800" b="0" i="0" u="none" strike="noStrike" dirty="0" err="1">
+                <a:solidFill>
+                  <a:schemeClr val="tx1">
+                    <a:lumMod val="65000"/>
+                    <a:lumOff val="35000"/>
+                  </a:schemeClr>
+                </a:solidFill>
+                <a:effectLst/>
+                <a:latin typeface="Avenir Book" panose="02000503020000020003" pitchFamily="2" charset="0"/>
+              </a:rPr>
+              <a:t>moves</a:t>
+            </a:r>
+            <a:r>
+              <a:rPr lang="de-DE" sz="800" b="0" i="0" u="none" strike="noStrike" dirty="0">
+                <a:solidFill>
+                  <a:schemeClr val="tx1">
+                    <a:lumMod val="65000"/>
+                    <a:lumOff val="35000"/>
+                  </a:schemeClr>
+                </a:solidFill>
+                <a:effectLst/>
+                <a:latin typeface="Avenir Book" panose="02000503020000020003" pitchFamily="2" charset="0"/>
+              </a:rPr>
+              <a:t>-Trainingskarten von Regina Brandhuber sind lizenziert unter einer Creative Commons </a:t>
+            </a:r>
+          </a:p>
+          <a:p>
+            <a:pPr lvl="0" algn="ctr">
+              <a:defRPr sz="1800"/>
+            </a:pPr>
+            <a:r>
+              <a:rPr lang="de-DE" sz="800" b="0" i="0" u="none" strike="noStrike" dirty="0">
+                <a:solidFill>
+                  <a:schemeClr val="tx1">
+                    <a:lumMod val="65000"/>
+                    <a:lumOff val="35000"/>
+                  </a:schemeClr>
+                </a:solidFill>
+                <a:effectLst/>
+                <a:latin typeface="Avenir Book" panose="02000503020000020003" pitchFamily="2" charset="0"/>
+              </a:rPr>
+              <a:t>Namensnennung-Nicht kommerziell 4.0 International Lizenz.</a:t>
+            </a:r>
+          </a:p>
+          <a:p>
+            <a:pPr lvl="0" algn="ctr">
+              <a:defRPr sz="1800"/>
+            </a:pPr>
+            <a:r>
+              <a:rPr lang="de-DE" sz="800" dirty="0">
+                <a:solidFill>
+                  <a:schemeClr val="tx1">
+                    <a:lumMod val="65000"/>
+                    <a:lumOff val="35000"/>
+                  </a:schemeClr>
+                </a:solidFill>
+                <a:latin typeface="Avenir Book" panose="02000503020000020003" pitchFamily="2" charset="0"/>
                 <a:ea typeface="Calibri"/>
                 <a:cs typeface="Avenir Light"/>
                 <a:sym typeface="Calibri"/>
               </a:rPr>
-              <a:t>This work is licensed under the Creative Commons Attribution-NonCommercial-NoDerivatives 4.0 International License. </a:t>
-            </a:r>
-          </a:p>
-          <a:p>
-            <a:pPr lvl="0" algn="ctr">
-              <a:defRPr sz="1800"/>
-            </a:pPr>
-            <a:r>
-              <a:rPr sz="600" dirty="0">
-                <a:latin typeface="Avenir Light"/>
+              <a:t>Nachzulesen unter:</a:t>
+            </a:r>
+            <a:r>
+              <a:rPr sz="800" dirty="0">
+                <a:solidFill>
+                  <a:schemeClr val="tx1">
+                    <a:lumMod val="65000"/>
+                    <a:lumOff val="35000"/>
+                  </a:schemeClr>
+                </a:solidFill>
+                <a:latin typeface="Avenir Book" panose="02000503020000020003" pitchFamily="2" charset="0"/>
                 <a:ea typeface="Calibri"/>
                 <a:cs typeface="Avenir Light"/>
                 <a:sym typeface="Calibri"/>
               </a:rPr>
-              <a:t>To view a copy of this license, visit http://creativecommons.org/licenses/by-nc-nd/4.0/.</a:t>
-            </a:r>
+              <a:t> </a:t>
+            </a:r>
+            <a:r>
+              <a:rPr lang="de-DE" sz="800" dirty="0">
+                <a:solidFill>
+                  <a:schemeClr val="tx1">
+                    <a:lumMod val="65000"/>
+                    <a:lumOff val="35000"/>
+                  </a:schemeClr>
+                </a:solidFill>
+                <a:latin typeface="Avenir Book" panose="02000503020000020003" pitchFamily="2" charset="0"/>
+                <a:ea typeface="Calibri"/>
+                <a:cs typeface="Avenir Light"/>
+                <a:sym typeface="Calibri"/>
+              </a:rPr>
+              <a:t>https://</a:t>
+            </a:r>
+            <a:r>
+              <a:rPr lang="de-DE" sz="800" dirty="0" err="1">
+                <a:solidFill>
+                  <a:schemeClr val="tx1">
+                    <a:lumMod val="65000"/>
+                    <a:lumOff val="35000"/>
+                  </a:schemeClr>
+                </a:solidFill>
+                <a:latin typeface="Avenir Book" panose="02000503020000020003" pitchFamily="2" charset="0"/>
+                <a:ea typeface="Calibri"/>
+                <a:cs typeface="Avenir Light"/>
+                <a:sym typeface="Calibri"/>
+              </a:rPr>
+              <a:t>creativecommons.org</a:t>
+            </a:r>
+            <a:r>
+              <a:rPr lang="de-DE" sz="800" dirty="0">
+                <a:solidFill>
+                  <a:schemeClr val="tx1">
+                    <a:lumMod val="65000"/>
+                    <a:lumOff val="35000"/>
+                  </a:schemeClr>
+                </a:solidFill>
+                <a:latin typeface="Avenir Book" panose="02000503020000020003" pitchFamily="2" charset="0"/>
+                <a:ea typeface="Calibri"/>
+                <a:cs typeface="Avenir Light"/>
+                <a:sym typeface="Calibri"/>
+              </a:rPr>
+              <a:t>/</a:t>
+            </a:r>
+            <a:r>
+              <a:rPr lang="de-DE" sz="800" dirty="0" err="1">
+                <a:solidFill>
+                  <a:schemeClr val="tx1">
+                    <a:lumMod val="65000"/>
+                    <a:lumOff val="35000"/>
+                  </a:schemeClr>
+                </a:solidFill>
+                <a:latin typeface="Avenir Book" panose="02000503020000020003" pitchFamily="2" charset="0"/>
+                <a:ea typeface="Calibri"/>
+                <a:cs typeface="Avenir Light"/>
+                <a:sym typeface="Calibri"/>
+              </a:rPr>
+              <a:t>licenses</a:t>
+            </a:r>
+            <a:r>
+              <a:rPr lang="de-DE" sz="800" dirty="0">
+                <a:solidFill>
+                  <a:schemeClr val="tx1">
+                    <a:lumMod val="65000"/>
+                    <a:lumOff val="35000"/>
+                  </a:schemeClr>
+                </a:solidFill>
+                <a:latin typeface="Avenir Book" panose="02000503020000020003" pitchFamily="2" charset="0"/>
+                <a:ea typeface="Calibri"/>
+                <a:cs typeface="Avenir Light"/>
+                <a:sym typeface="Calibri"/>
+              </a:rPr>
+              <a:t>/</a:t>
+            </a:r>
+            <a:r>
+              <a:rPr lang="de-DE" sz="800" dirty="0" err="1">
+                <a:solidFill>
+                  <a:schemeClr val="tx1">
+                    <a:lumMod val="65000"/>
+                    <a:lumOff val="35000"/>
+                  </a:schemeClr>
+                </a:solidFill>
+                <a:latin typeface="Avenir Book" panose="02000503020000020003" pitchFamily="2" charset="0"/>
+                <a:ea typeface="Calibri"/>
+                <a:cs typeface="Avenir Light"/>
+                <a:sym typeface="Calibri"/>
+              </a:rPr>
+              <a:t>by-nc</a:t>
+            </a:r>
+            <a:r>
+              <a:rPr lang="de-DE" sz="800" dirty="0">
+                <a:solidFill>
+                  <a:schemeClr val="tx1">
+                    <a:lumMod val="65000"/>
+                    <a:lumOff val="35000"/>
+                  </a:schemeClr>
+                </a:solidFill>
+                <a:latin typeface="Avenir Book" panose="02000503020000020003" pitchFamily="2" charset="0"/>
+                <a:ea typeface="Calibri"/>
+                <a:cs typeface="Avenir Light"/>
+                <a:sym typeface="Calibri"/>
+              </a:rPr>
+              <a:t>/4.0/</a:t>
+            </a:r>
+            <a:r>
+              <a:rPr lang="de-DE" sz="800" dirty="0" err="1">
+                <a:solidFill>
+                  <a:schemeClr val="tx1">
+                    <a:lumMod val="65000"/>
+                    <a:lumOff val="35000"/>
+                  </a:schemeClr>
+                </a:solidFill>
+                <a:latin typeface="Avenir Book" panose="02000503020000020003" pitchFamily="2" charset="0"/>
+                <a:ea typeface="Calibri"/>
+                <a:cs typeface="Avenir Light"/>
+                <a:sym typeface="Calibri"/>
+              </a:rPr>
+              <a:t>deed.de</a:t>
+            </a:r>
+            <a:endParaRPr sz="800" dirty="0">
+              <a:solidFill>
+                <a:schemeClr val="tx1">
+                  <a:lumMod val="65000"/>
+                  <a:lumOff val="35000"/>
+                </a:schemeClr>
+              </a:solidFill>
+              <a:latin typeface="Avenir Book" panose="02000503020000020003" pitchFamily="2" charset="0"/>
+              <a:ea typeface="Calibri"/>
+              <a:cs typeface="Avenir Light"/>
+              <a:sym typeface="Calibri"/>
+            </a:endParaRPr>
           </a:p>
         </p:txBody>
       </p:sp>
       <p:pic>
         <p:nvPicPr>
-          <p:cNvPr id="6" name="pasted-image.tif"/>
+          <p:cNvPr id="8" name="pasted-image.tif">
+            <a:extLst>
+              <a:ext uri="{FF2B5EF4-FFF2-40B4-BE49-F238E27FC236}">
+                <a16:creationId xmlns:a16="http://schemas.microsoft.com/office/drawing/2014/main" id="{538A4440-5997-C4CB-567F-AB3172B6567F}"/>
+              </a:ext>
+            </a:extLst>
+          </p:cNvPr>
           <p:cNvPicPr/>
           <p:nvPr userDrawn="1"/>
         </p:nvPicPr>
-        <p:blipFill>
+        <p:blipFill rotWithShape="1">
           <a:blip r:embed="rId4"/>
-          <a:stretch>
-            <a:fillRect/>
-          </a:stretch>
+          <a:srcRect r="24777" b="-3233"/>
+          <a:stretch/>
         </p:blipFill>
         <p:spPr>
           <a:xfrm>
-            <a:off x="6174185" y="4992838"/>
-            <a:ext cx="886619" cy="214128"/>
+            <a:off x="5724347" y="4733926"/>
+            <a:ext cx="1009828" cy="333374"/>
           </a:xfrm>
           <a:prstGeom prst="rect">
             <a:avLst/>
@@ -593,58 +818,6 @@
           </a:ln>
         </p:spPr>
       </p:pic>
-      <p:sp>
-        <p:nvSpPr>
-          <p:cNvPr id="7" name="Textfeld 6"/>
-          <p:cNvSpPr txBox="1"/>
-          <p:nvPr userDrawn="1"/>
-        </p:nvSpPr>
-        <p:spPr>
-          <a:xfrm>
-            <a:off x="239285" y="4936890"/>
-            <a:ext cx="1044856" cy="276999"/>
-          </a:xfrm>
-          <a:prstGeom prst="rect">
-            <a:avLst/>
-          </a:prstGeom>
-          <a:noFill/>
-        </p:spPr>
-        <p:txBody>
-          <a:bodyPr wrap="square" rtlCol="0">
-            <a:spAutoFit/>
-          </a:bodyPr>
-          <a:lstStyle/>
-          <a:p>
-            <a:r>
-              <a:rPr lang="de-DE" sz="600" dirty="0">
-                <a:solidFill>
-                  <a:srgbClr val="5D5E5F"/>
-                </a:solidFill>
-                <a:latin typeface="Avenir Light"/>
-                <a:cs typeface="Avenir Light"/>
-              </a:rPr>
-              <a:t>Letzte Änderung: </a:t>
-            </a:r>
-            <a:fld id="{7A8C7DAC-E536-564C-B5B3-90E8FAB50562}" type="datetime1">
-              <a:rPr lang="de-DE" sz="600" smtClean="0">
-                <a:solidFill>
-                  <a:srgbClr val="5D5E5F"/>
-                </a:solidFill>
-                <a:latin typeface="Avenir Light"/>
-                <a:cs typeface="Avenir Light"/>
-              </a:rPr>
-              <a:t>20.07.23</a:t>
-            </a:fld>
-            <a:endParaRPr lang="de-DE" sz="600" dirty="0">
-              <a:solidFill>
-                <a:srgbClr val="5D5E5F"/>
-              </a:solidFill>
-              <a:latin typeface="Avenir Light"/>
-              <a:cs typeface="Avenir Light"/>
-            </a:endParaRPr>
-          </a:p>
-        </p:txBody>
-      </p:sp>
     </p:spTree>
     <p:extLst>
       <p:ext uri="{BB962C8B-B14F-4D97-AF65-F5344CB8AC3E}">
@@ -707,14 +880,22 @@
             <p:ph type="dt" sz="half" idx="10"/>
           </p:nvPr>
         </p:nvSpPr>
-        <p:spPr/>
+        <p:spPr>
+          <a:xfrm>
+            <a:off x="378144" y="4940886"/>
+            <a:ext cx="1764665" cy="283817"/>
+          </a:xfrm>
+          <a:prstGeom prst="rect">
+            <a:avLst/>
+          </a:prstGeom>
+        </p:spPr>
         <p:txBody>
           <a:bodyPr/>
           <a:lstStyle/>
           <a:p>
             <a:fld id="{FF5B2BAF-DF38-0A48-A798-0C06E514FD52}" type="datetimeFigureOut">
               <a:rPr lang="de-DE" smtClean="0"/>
-              <a:t>20.07.23</a:t>
+              <a:t>30.07.24</a:t>
             </a:fld>
             <a:endParaRPr lang="de-DE" dirty="0"/>
           </a:p>
@@ -730,7 +911,15 @@
             <p:ph type="ftr" sz="quarter" idx="11"/>
           </p:nvPr>
         </p:nvSpPr>
-        <p:spPr/>
+        <p:spPr>
+          <a:xfrm>
+            <a:off x="2583974" y="4940886"/>
+            <a:ext cx="2394903" cy="283817"/>
+          </a:xfrm>
+          <a:prstGeom prst="rect">
+            <a:avLst/>
+          </a:prstGeom>
+        </p:spPr>
         <p:txBody>
           <a:bodyPr/>
           <a:lstStyle/>
@@ -749,7 +938,15 @@
             <p:ph type="sldNum" sz="quarter" idx="12"/>
           </p:nvPr>
         </p:nvSpPr>
-        <p:spPr/>
+        <p:spPr>
+          <a:xfrm>
+            <a:off x="5420044" y="4940886"/>
+            <a:ext cx="1764665" cy="283817"/>
+          </a:xfrm>
+          <a:prstGeom prst="rect">
+            <a:avLst/>
+          </a:prstGeom>
+        </p:spPr>
         <p:txBody>
           <a:bodyPr/>
           <a:lstStyle/>
@@ -896,125 +1093,6 @@
               <a:rPr lang="de-DE" dirty="0"/>
               <a:t>Fünfte Ebene</a:t>
             </a:r>
-          </a:p>
-        </p:txBody>
-      </p:sp>
-      <p:sp>
-        <p:nvSpPr>
-          <p:cNvPr id="4" name="Datumsplatzhalter 3"/>
-          <p:cNvSpPr>
-            <a:spLocks noGrp="1"/>
-          </p:cNvSpPr>
-          <p:nvPr>
-            <p:ph type="dt" sz="half" idx="2"/>
-          </p:nvPr>
-        </p:nvSpPr>
-        <p:spPr>
-          <a:xfrm>
-            <a:off x="378144" y="4940886"/>
-            <a:ext cx="1764665" cy="283817"/>
-          </a:xfrm>
-          <a:prstGeom prst="rect">
-            <a:avLst/>
-          </a:prstGeom>
-        </p:spPr>
-        <p:txBody>
-          <a:bodyPr vert="horz" lIns="80678" tIns="40339" rIns="80678" bIns="40339" rtlCol="0" anchor="ctr"/>
-          <a:lstStyle>
-            <a:lvl1pPr algn="l">
-              <a:defRPr sz="1100">
-                <a:solidFill>
-                  <a:schemeClr val="tx1">
-                    <a:tint val="75000"/>
-                  </a:schemeClr>
-                </a:solidFill>
-              </a:defRPr>
-            </a:lvl1pPr>
-          </a:lstStyle>
-          <a:p>
-            <a:fld id="{FF5B2BAF-DF38-0A48-A798-0C06E514FD52}" type="datetimeFigureOut">
-              <a:rPr lang="de-DE" smtClean="0"/>
-              <a:t>20.07.23</a:t>
-            </a:fld>
-            <a:endParaRPr lang="de-DE" dirty="0"/>
-          </a:p>
-        </p:txBody>
-      </p:sp>
-      <p:sp>
-        <p:nvSpPr>
-          <p:cNvPr id="5" name="Fußzeilenplatzhalter 4"/>
-          <p:cNvSpPr>
-            <a:spLocks noGrp="1"/>
-          </p:cNvSpPr>
-          <p:nvPr>
-            <p:ph type="ftr" sz="quarter" idx="3"/>
-          </p:nvPr>
-        </p:nvSpPr>
-        <p:spPr>
-          <a:xfrm>
-            <a:off x="2583974" y="4940886"/>
-            <a:ext cx="2394903" cy="283817"/>
-          </a:xfrm>
-          <a:prstGeom prst="rect">
-            <a:avLst/>
-          </a:prstGeom>
-        </p:spPr>
-        <p:txBody>
-          <a:bodyPr vert="horz" lIns="80678" tIns="40339" rIns="80678" bIns="40339" rtlCol="0" anchor="ctr"/>
-          <a:lstStyle>
-            <a:lvl1pPr algn="ctr">
-              <a:defRPr sz="1100">
-                <a:solidFill>
-                  <a:schemeClr val="tx1">
-                    <a:tint val="75000"/>
-                  </a:schemeClr>
-                </a:solidFill>
-              </a:defRPr>
-            </a:lvl1pPr>
-          </a:lstStyle>
-          <a:p>
-            <a:endParaRPr lang="de-DE"/>
-          </a:p>
-        </p:txBody>
-      </p:sp>
-      <p:sp>
-        <p:nvSpPr>
-          <p:cNvPr id="6" name="Foliennummernplatzhalter 5"/>
-          <p:cNvSpPr>
-            <a:spLocks noGrp="1"/>
-          </p:cNvSpPr>
-          <p:nvPr>
-            <p:ph type="sldNum" sz="quarter" idx="4"/>
-          </p:nvPr>
-        </p:nvSpPr>
-        <p:spPr>
-          <a:xfrm>
-            <a:off x="5420044" y="4940886"/>
-            <a:ext cx="1764665" cy="283817"/>
-          </a:xfrm>
-          <a:prstGeom prst="rect">
-            <a:avLst/>
-          </a:prstGeom>
-        </p:spPr>
-        <p:txBody>
-          <a:bodyPr vert="horz" lIns="80678" tIns="40339" rIns="80678" bIns="40339" rtlCol="0" anchor="ctr"/>
-          <a:lstStyle>
-            <a:lvl1pPr algn="r">
-              <a:defRPr sz="1100">
-                <a:solidFill>
-                  <a:schemeClr val="tx1">
-                    <a:tint val="75000"/>
-                  </a:schemeClr>
-                </a:solidFill>
-              </a:defRPr>
-            </a:lvl1pPr>
-          </a:lstStyle>
-          <a:p>
-            <a:fld id="{3A3AAF8E-01AD-0B40-85E5-1DEBD88C874F}" type="slidenum">
-              <a:rPr lang="de-DE" smtClean="0"/>
-              <a:t>‹Nr.›</a:t>
-            </a:fld>
-            <a:endParaRPr lang="de-DE"/>
           </a:p>
         </p:txBody>
       </p:sp>
@@ -1622,7 +1700,7 @@
         <p:spPr>
           <a:xfrm>
             <a:off x="858838" y="1556167"/>
-            <a:ext cx="6011545" cy="3133835"/>
+            <a:ext cx="6210177" cy="3648879"/>
           </a:xfrm>
         </p:spPr>
         <p:txBody>
@@ -1631,18 +1709,37 @@
           </a:bodyPr>
           <a:lstStyle/>
           <a:p>
+            <a:pPr algn="just"/>
             <a:r>
               <a:rPr lang="de-DE" sz="900" dirty="0"/>
               <a:t>Nachdem Du einen Platz für Ideen in Deinem Leben etabliert hast (siehe IDE 08), ist es gut sich weiter um sie zu kümmern, damit sie für Dich lebendig bleiben und sich weiterentwickeln können.</a:t>
             </a:r>
           </a:p>
           <a:p>
+            <a:pPr algn="just"/>
             <a:r>
               <a:rPr lang="de-DE" sz="900" dirty="0"/>
-              <a:t>Eine Möglichkeit ist es, den Ideen eine Rangfolge zu geben. In der agilen Entwicklung nennt man eine nach Wichtigkeit oder Qualität priorisierte Aufgabenliste "Backlog".</a:t>
-            </a:r>
-          </a:p>
-          <a:p>
+              <a:t>Eine Möglichkeit ist es, den Ideen eine Rangfolge zu geben. In der agilen Entwicklung nennt man eine nach Wichtigkeit oder Qualität priorisierte Aufgabenliste „</a:t>
+            </a:r>
+            <a:r>
+              <a:rPr lang="de-DE" sz="900" dirty="0" err="1"/>
+              <a:t>Product</a:t>
+            </a:r>
+            <a:r>
+              <a:rPr lang="de-DE" sz="900" dirty="0"/>
+              <a:t> Backlog" (Sutherland/</a:t>
+            </a:r>
+            <a:r>
+              <a:rPr lang="de-DE" sz="900" dirty="0" err="1"/>
+              <a:t>Schwaber</a:t>
+            </a:r>
+            <a:r>
+              <a:rPr lang="de-DE" sz="900" dirty="0"/>
+              <a:t> 2020, S. 11).</a:t>
+            </a:r>
+          </a:p>
+          <a:p>
+            <a:pPr algn="just"/>
             <a:r>
               <a:rPr lang="de-DE" sz="900" dirty="0"/>
               <a:t>Ein solches </a:t>
@@ -1665,9 +1762,66 @@
             </a:r>
           </a:p>
           <a:p>
+            <a:pPr algn="just"/>
             <a:r>
               <a:rPr lang="de-DE" sz="900" dirty="0"/>
-              <a:t>Die Plätze ganz oben im </a:t>
+              <a:t>Die Plätze ganz oben im Backlog sind die wichtigsten oder auch die „wertvollsten“. Indem Du alle Faktoren, die eine Idee betreffen, mit einbeziehst, vergibst Du aus dem Gesamtbild eine Rangfolge.</a:t>
+            </a:r>
+          </a:p>
+          <a:p>
+            <a:pPr algn="just"/>
+            <a:r>
+              <a:rPr lang="de-DE" sz="900" dirty="0"/>
+              <a:t>Solche Faktoren könnten sein:</a:t>
+            </a:r>
+          </a:p>
+          <a:p>
+            <a:pPr lvl="1" algn="just"/>
+            <a:r>
+              <a:rPr lang="de-DE" sz="900" dirty="0"/>
+              <a:t>Wie gut finde ich die Idee?</a:t>
+            </a:r>
+          </a:p>
+          <a:p>
+            <a:pPr lvl="1" algn="just"/>
+            <a:r>
+              <a:rPr lang="de-DE" sz="900" dirty="0"/>
+              <a:t>Habe ich Zeitdruck die Idee umzusetzen? Wird die Idee bald verfallen bzw. nicht mehr umsetzbar sein?</a:t>
+            </a:r>
+          </a:p>
+          <a:p>
+            <a:pPr lvl="1" algn="just"/>
+            <a:r>
+              <a:rPr lang="de-DE" sz="900" dirty="0"/>
+              <a:t>Gibt es negative Konsequenzen, wenn die Idee übergangen wird?</a:t>
+            </a:r>
+          </a:p>
+          <a:p>
+            <a:pPr lvl="1" algn="just"/>
+            <a:r>
+              <a:rPr lang="de-DE" sz="900" dirty="0"/>
+              <a:t>Inwiefern kann ich mich persönlich durch die Idee weiterentwickeln?</a:t>
+            </a:r>
+          </a:p>
+          <a:p>
+            <a:pPr lvl="1" algn="just"/>
+            <a:r>
+              <a:rPr lang="de-DE" sz="900" dirty="0"/>
+              <a:t>Wie sehr kann ich mich durch die Idee selbst ausdrücken?</a:t>
+            </a:r>
+          </a:p>
+          <a:p>
+            <a:pPr lvl="1" algn="just"/>
+            <a:r>
+              <a:rPr lang="de-DE" sz="900" dirty="0"/>
+              <a:t>Wird durch die Idee etwas grundsätzlich leichter oder weniger riskant?</a:t>
+            </a:r>
+          </a:p>
+          <a:p>
+            <a:pPr algn="just"/>
+            <a:r>
+              <a:rPr lang="de-DE" sz="900" dirty="0"/>
+              <a:t>Ein </a:t>
             </a:r>
             <a:r>
               <a:rPr lang="de-DE" sz="900" dirty="0" err="1"/>
@@ -1675,61 +1829,7 @@
             </a:r>
             <a:r>
               <a:rPr lang="de-DE" sz="900" dirty="0"/>
-              <a:t> sind die wichtigsten oder auch die "wertvollsten". Indem Du alle Faktoren, die eine Idee betreffen, mit einbeziehst, vergibst Du aus dem Gesamtbild eine Rangfolge.</a:t>
-            </a:r>
-          </a:p>
-          <a:p>
-            <a:r>
-              <a:rPr lang="de-DE" sz="900" dirty="0"/>
-              <a:t>Solche Faktoren könnten sein:</a:t>
-            </a:r>
-          </a:p>
-          <a:p>
-            <a:pPr lvl="1"/>
-            <a:r>
-              <a:rPr lang="de-DE" sz="900" dirty="0"/>
-              <a:t>Wie gut finde ich die Idee?</a:t>
-            </a:r>
-          </a:p>
-          <a:p>
-            <a:pPr lvl="1"/>
-            <a:r>
-              <a:rPr lang="de-DE" sz="900" dirty="0"/>
-              <a:t>Habe ich Zeitdruck die Idee umzusetzen? Wird die Idee bald verfallen bzw. nicht mehr umsetzbar sein?</a:t>
-            </a:r>
-          </a:p>
-          <a:p>
-            <a:pPr lvl="1"/>
-            <a:r>
-              <a:rPr lang="de-DE" sz="900" dirty="0"/>
-              <a:t>Gibt es negative Konsequenzen, wenn die Idee übergangen wird?</a:t>
-            </a:r>
-          </a:p>
-          <a:p>
-            <a:pPr lvl="1"/>
-            <a:r>
-              <a:rPr lang="de-DE" sz="900" dirty="0"/>
-              <a:t>Inwiefern kann ich mich persönlich durch die Idee weiterentwickeln?</a:t>
-            </a:r>
-          </a:p>
-          <a:p>
-            <a:pPr lvl="1"/>
-            <a:r>
-              <a:rPr lang="de-DE" sz="900" dirty="0"/>
-              <a:t>Wie sehr kann ich mich durch die Idee selbst ausdrücken?</a:t>
-            </a:r>
-          </a:p>
-          <a:p>
-            <a:pPr lvl="1"/>
-            <a:r>
-              <a:rPr lang="de-DE" sz="900" dirty="0"/>
-              <a:t>Wird durch die Idee etwas grundsätzlich leichter oder weniger riskant?</a:t>
-            </a:r>
-          </a:p>
-          <a:p>
-            <a:r>
-              <a:rPr lang="de-DE" sz="900" dirty="0"/>
-              <a:t>Ein </a:t>
+              <a:t> hat immer eine Rangfolge, die aber nicht in Stein gemeißelt ist. In regelmäßigen Abständen wird das </a:t>
             </a:r>
             <a:r>
               <a:rPr lang="de-DE" sz="900" dirty="0" err="1"/>
@@ -1737,20 +1837,190 @@
             </a:r>
             <a:r>
               <a:rPr lang="de-DE" sz="900" dirty="0"/>
-              <a:t> hat immer eine Rangfolge, die aber nicht in Stein gemeißelt ist. In regelmäßigen Abständen wird das </a:t>
-            </a:r>
-            <a:r>
-              <a:rPr lang="de-DE" sz="900" dirty="0" err="1"/>
-              <a:t>Backlog</a:t>
-            </a:r>
-            <a:r>
-              <a:rPr lang="de-DE" sz="900" dirty="0"/>
-              <a:t> gepflegt. Dabei schaust Du es Dir durch und vergibst evtl. neue Prioritäten.</a:t>
+              <a:t> gepflegt. Dabei ordnest Du es neu und vergibst neue Prioritäten (Galen 2013, S. 81).</a:t>
             </a:r>
             <a:r>
               <a:rPr lang="de-DE" dirty="0"/>
               <a:t>	</a:t>
             </a:r>
+          </a:p>
+          <a:p>
+            <a:pPr marL="0" indent="0">
+              <a:buNone/>
+            </a:pPr>
+            <a:endParaRPr lang="de-DE" sz="800" dirty="0"/>
+          </a:p>
+          <a:p>
+            <a:pPr marL="0" indent="0">
+              <a:buNone/>
+            </a:pPr>
+            <a:r>
+              <a:rPr lang="de-DE" sz="800" dirty="0"/>
+              <a:t>Quellen:	</a:t>
+            </a:r>
+            <a:r>
+              <a:rPr lang="de-DE" sz="800" b="1" dirty="0"/>
+              <a:t>Galen</a:t>
+            </a:r>
+            <a:r>
+              <a:rPr lang="de-DE" sz="800" dirty="0"/>
+              <a:t>, Robert (2013): SCRUM </a:t>
+            </a:r>
+            <a:r>
+              <a:rPr lang="de-DE" sz="800" dirty="0" err="1"/>
+              <a:t>Product</a:t>
+            </a:r>
+            <a:r>
+              <a:rPr lang="de-DE" sz="800" dirty="0"/>
+              <a:t> Ownership. </a:t>
+            </a:r>
+            <a:r>
+              <a:rPr lang="de-DE" sz="800" dirty="0" err="1"/>
+              <a:t>Balancing</a:t>
+            </a:r>
+            <a:r>
+              <a:rPr lang="de-DE" sz="800" dirty="0"/>
+              <a:t> Value </a:t>
+            </a:r>
+            <a:r>
+              <a:rPr lang="de-DE" sz="800" dirty="0" err="1"/>
+              <a:t>from</a:t>
+            </a:r>
+            <a:r>
+              <a:rPr lang="de-DE" sz="800" dirty="0"/>
+              <a:t> </a:t>
+            </a:r>
+            <a:r>
+              <a:rPr lang="de-DE" sz="800" dirty="0" err="1"/>
+              <a:t>the</a:t>
+            </a:r>
+            <a:r>
+              <a:rPr lang="de-DE" sz="800" dirty="0"/>
+              <a:t> Inside Out. Stories, </a:t>
+            </a:r>
+            <a:r>
+              <a:rPr lang="de-DE" sz="800" dirty="0" err="1"/>
+              <a:t>Ideas</a:t>
+            </a:r>
+            <a:r>
+              <a:rPr lang="de-DE" sz="800" dirty="0"/>
+              <a:t>, </a:t>
+            </a:r>
+            <a:r>
+              <a:rPr lang="de-DE" sz="800" dirty="0" err="1"/>
+              <a:t>Lessons</a:t>
+            </a:r>
+            <a:r>
+              <a:rPr lang="de-DE" sz="800" dirty="0"/>
+              <a:t>, and Practices </a:t>
+            </a:r>
+            <a:br>
+              <a:rPr lang="de-DE" sz="800" dirty="0"/>
+            </a:br>
+            <a:r>
+              <a:rPr lang="de-DE" sz="800" dirty="0"/>
+              <a:t>	     </a:t>
+            </a:r>
+            <a:r>
+              <a:rPr lang="de-DE" sz="800" dirty="0" err="1"/>
+              <a:t>for</a:t>
+            </a:r>
+            <a:r>
+              <a:rPr lang="de-DE" sz="800" dirty="0"/>
+              <a:t> </a:t>
+            </a:r>
+            <a:r>
+              <a:rPr lang="de-DE" sz="800" dirty="0" err="1"/>
+              <a:t>Becoming</a:t>
+            </a:r>
+            <a:r>
+              <a:rPr lang="de-DE" sz="800" dirty="0"/>
+              <a:t> a Great </a:t>
+            </a:r>
+            <a:r>
+              <a:rPr lang="de-DE" sz="800" dirty="0" err="1"/>
+              <a:t>Product</a:t>
+            </a:r>
+            <a:r>
+              <a:rPr lang="de-DE" sz="800" dirty="0"/>
+              <a:t> </a:t>
+            </a:r>
+            <a:r>
+              <a:rPr lang="de-DE" sz="800" dirty="0" err="1"/>
+              <a:t>Owner</a:t>
+            </a:r>
+            <a:r>
+              <a:rPr lang="de-DE" sz="800" dirty="0"/>
+              <a:t>. 2. Auflage. O.O.: RGCG,LLC </a:t>
+            </a:r>
+            <a:br>
+              <a:rPr lang="de-DE" sz="800" dirty="0"/>
+            </a:br>
+            <a:r>
+              <a:rPr lang="de-DE" sz="800" dirty="0"/>
+              <a:t>	</a:t>
+            </a:r>
+            <a:r>
+              <a:rPr lang="de-DE" sz="800" b="1" dirty="0" err="1"/>
+              <a:t>Schwaber</a:t>
+            </a:r>
+            <a:r>
+              <a:rPr lang="de-DE" sz="800" dirty="0"/>
+              <a:t>, Ken/Sutherland, Jeff (2020): Der </a:t>
+            </a:r>
+            <a:r>
+              <a:rPr lang="de-DE" sz="800" dirty="0" err="1"/>
+              <a:t>Scrum</a:t>
+            </a:r>
+            <a:r>
+              <a:rPr lang="de-DE" sz="800" dirty="0"/>
+              <a:t> Guide. Der gültige Leitfaden für </a:t>
+            </a:r>
+            <a:r>
+              <a:rPr lang="de-DE" sz="800" dirty="0" err="1"/>
+              <a:t>Scrum</a:t>
+            </a:r>
+            <a:r>
+              <a:rPr lang="de-DE" sz="800" dirty="0"/>
+              <a:t>: Die Spielregeln. 	</a:t>
+            </a:r>
+            <a:br>
+              <a:rPr lang="de-DE" sz="800" dirty="0"/>
+            </a:br>
+            <a:r>
+              <a:rPr lang="de-DE" sz="800" dirty="0"/>
+              <a:t>                    http://</a:t>
+            </a:r>
+            <a:r>
+              <a:rPr lang="de-DE" sz="800" dirty="0" err="1"/>
+              <a:t>scrumguides.org</a:t>
+            </a:r>
+            <a:r>
+              <a:rPr lang="de-DE" sz="800" dirty="0"/>
+              <a:t>/</a:t>
+            </a:r>
+            <a:r>
+              <a:rPr lang="de-DE" sz="800" dirty="0" err="1"/>
+              <a:t>docs</a:t>
+            </a:r>
+            <a:r>
+              <a:rPr lang="de-DE" sz="800" dirty="0"/>
+              <a:t>/</a:t>
+            </a:r>
+            <a:r>
+              <a:rPr lang="de-DE" sz="800" dirty="0" err="1"/>
+              <a:t>scrumguide</a:t>
+            </a:r>
+            <a:r>
+              <a:rPr lang="de-DE" sz="800" dirty="0"/>
+              <a:t>/v2020/2020-Scrum-Guide-German.pdf. Abgerufen am 25. Juli 2024</a:t>
+            </a:r>
+          </a:p>
+          <a:p>
+            <a:pPr marL="0" indent="0" algn="just">
+              <a:buNone/>
+            </a:pPr>
+            <a:endParaRPr lang="de-DE" dirty="0"/>
           </a:p>
         </p:txBody>
       </p:sp>
@@ -1821,62 +2091,58 @@
         </p:nvSpPr>
         <p:spPr/>
         <p:txBody>
-          <a:bodyPr/>
+          <a:bodyPr>
+            <a:normAutofit/>
+          </a:bodyPr>
           <a:lstStyle/>
           <a:p>
-            <a:r>
-              <a:rPr lang="de-DE" dirty="0"/>
+            <a:pPr algn="just"/>
+            <a:r>
+              <a:rPr lang="de-DE" sz="1100" dirty="0"/>
               <a:t>Erstelle ein </a:t>
             </a:r>
             <a:r>
-              <a:rPr lang="de-DE" dirty="0" err="1"/>
+              <a:rPr lang="de-DE" sz="1100" dirty="0" err="1"/>
               <a:t>Backlog</a:t>
             </a:r>
             <a:r>
-              <a:rPr lang="de-DE" dirty="0"/>
+              <a:rPr lang="de-DE" sz="1100" dirty="0"/>
               <a:t> aus all Deinen gesammelten Ideen.</a:t>
             </a:r>
           </a:p>
           <a:p>
-            <a:r>
-              <a:rPr lang="de-DE" dirty="0"/>
+            <a:pPr algn="just"/>
+            <a:r>
+              <a:rPr lang="de-DE" sz="1100" dirty="0"/>
               <a:t>Finde einen geeigneten Ort oder ein Softwareprogramm, das Dein </a:t>
             </a:r>
             <a:r>
-              <a:rPr lang="de-DE" dirty="0" err="1"/>
+              <a:rPr lang="de-DE" sz="1100" dirty="0" err="1"/>
               <a:t>Backlog</a:t>
             </a:r>
             <a:r>
-              <a:rPr lang="de-DE" dirty="0"/>
+              <a:rPr lang="de-DE" sz="1100" dirty="0"/>
               <a:t> abbilden kann.</a:t>
             </a:r>
           </a:p>
           <a:p>
-            <a:r>
-              <a:rPr lang="de-DE" dirty="0"/>
+            <a:pPr algn="just"/>
+            <a:r>
+              <a:rPr lang="de-DE" sz="1100" dirty="0"/>
               <a:t>Nachdem Du Dein Backlog erstellt hast, pflege es in 2 Wochen noch weitere 2 Mal, indem Du neue Ideen aufnimmst und ihnen eine Rangfolge gibst, alte Ideen, die evtl. bereits umgesetzt sind oder ihre Relevanz verloren haben, herausnimmst und, falls gewünscht, bestehende Ideen neu priorisierst oder weiterentwickelst (siehe IDE 14).</a:t>
             </a:r>
           </a:p>
           <a:p>
             <a:r>
-              <a:rPr lang="de-DE" dirty="0"/>
-              <a:t>Für die Zertifizierung lass Dir von Deinem Team Dein </a:t>
-            </a:r>
-            <a:r>
-              <a:rPr lang="de-DE" dirty="0" err="1"/>
-              <a:t>Backlog</a:t>
-            </a:r>
-            <a:r>
-              <a:rPr lang="de-DE" dirty="0"/>
-              <a:t> und 2 Überarbeitungen Deines </a:t>
-            </a:r>
-            <a:r>
-              <a:rPr lang="de-DE" dirty="0" err="1"/>
-              <a:t>Backlogs</a:t>
-            </a:r>
-            <a:r>
-              <a:rPr lang="de-DE" dirty="0"/>
-              <a:t> unterzeichnen.</a:t>
+              <a:rPr lang="de-DE" sz="1100" dirty="0"/>
+              <a:t>Für die Zertifizierung lass Dir von Deinem Team Dein Backlog und 2 </a:t>
+            </a:r>
+            <a:br>
+              <a:rPr lang="de-DE" sz="1100" dirty="0"/>
+            </a:br>
+            <a:r>
+              <a:rPr lang="de-DE" sz="1100" dirty="0"/>
+              <a:t>Überarbeitungen Deines Backlogs unterzeichnen.</a:t>
             </a:r>
           </a:p>
         </p:txBody>
